--- a/47. Magnetic Loss in DAB/fig/fig.pptx
+++ b/47. Magnetic Loss in DAB/fig/fig.pptx
@@ -6,6 +6,8 @@
   </p:sldMasterIdLst>
   <p:sldIdLst>
     <p:sldId id="256" r:id="rId2"/>
+    <p:sldId id="257" r:id="rId3"/>
+    <p:sldId id="258" r:id="rId4"/>
   </p:sldIdLst>
   <p:sldSz cx="12192000" cy="6858000"/>
   <p:notesSz cx="6858000" cy="9144000"/>
@@ -270,7 +272,7 @@
           <a:p>
             <a:fld id="{2D7B0572-C493-4C71-9EA7-568EE8B99E48}" type="datetimeFigureOut">
               <a:rPr lang="fr-FR" smtClean="0"/>
-              <a:t>27/01/2025</a:t>
+              <a:t>06/02/2025</a:t>
             </a:fld>
             <a:endParaRPr lang="fr-FR"/>
           </a:p>
@@ -468,7 +470,7 @@
           <a:p>
             <a:fld id="{2D7B0572-C493-4C71-9EA7-568EE8B99E48}" type="datetimeFigureOut">
               <a:rPr lang="fr-FR" smtClean="0"/>
-              <a:t>27/01/2025</a:t>
+              <a:t>06/02/2025</a:t>
             </a:fld>
             <a:endParaRPr lang="fr-FR"/>
           </a:p>
@@ -676,7 +678,7 @@
           <a:p>
             <a:fld id="{2D7B0572-C493-4C71-9EA7-568EE8B99E48}" type="datetimeFigureOut">
               <a:rPr lang="fr-FR" smtClean="0"/>
-              <a:t>27/01/2025</a:t>
+              <a:t>06/02/2025</a:t>
             </a:fld>
             <a:endParaRPr lang="fr-FR"/>
           </a:p>
@@ -874,7 +876,7 @@
           <a:p>
             <a:fld id="{2D7B0572-C493-4C71-9EA7-568EE8B99E48}" type="datetimeFigureOut">
               <a:rPr lang="fr-FR" smtClean="0"/>
-              <a:t>27/01/2025</a:t>
+              <a:t>06/02/2025</a:t>
             </a:fld>
             <a:endParaRPr lang="fr-FR"/>
           </a:p>
@@ -1149,7 +1151,7 @@
           <a:p>
             <a:fld id="{2D7B0572-C493-4C71-9EA7-568EE8B99E48}" type="datetimeFigureOut">
               <a:rPr lang="fr-FR" smtClean="0"/>
-              <a:t>27/01/2025</a:t>
+              <a:t>06/02/2025</a:t>
             </a:fld>
             <a:endParaRPr lang="fr-FR"/>
           </a:p>
@@ -1414,7 +1416,7 @@
           <a:p>
             <a:fld id="{2D7B0572-C493-4C71-9EA7-568EE8B99E48}" type="datetimeFigureOut">
               <a:rPr lang="fr-FR" smtClean="0"/>
-              <a:t>27/01/2025</a:t>
+              <a:t>06/02/2025</a:t>
             </a:fld>
             <a:endParaRPr lang="fr-FR"/>
           </a:p>
@@ -1826,7 +1828,7 @@
           <a:p>
             <a:fld id="{2D7B0572-C493-4C71-9EA7-568EE8B99E48}" type="datetimeFigureOut">
               <a:rPr lang="fr-FR" smtClean="0"/>
-              <a:t>27/01/2025</a:t>
+              <a:t>06/02/2025</a:t>
             </a:fld>
             <a:endParaRPr lang="fr-FR"/>
           </a:p>
@@ -1967,7 +1969,7 @@
           <a:p>
             <a:fld id="{2D7B0572-C493-4C71-9EA7-568EE8B99E48}" type="datetimeFigureOut">
               <a:rPr lang="fr-FR" smtClean="0"/>
-              <a:t>27/01/2025</a:t>
+              <a:t>06/02/2025</a:t>
             </a:fld>
             <a:endParaRPr lang="fr-FR"/>
           </a:p>
@@ -2080,7 +2082,7 @@
           <a:p>
             <a:fld id="{2D7B0572-C493-4C71-9EA7-568EE8B99E48}" type="datetimeFigureOut">
               <a:rPr lang="fr-FR" smtClean="0"/>
-              <a:t>27/01/2025</a:t>
+              <a:t>06/02/2025</a:t>
             </a:fld>
             <a:endParaRPr lang="fr-FR"/>
           </a:p>
@@ -2391,7 +2393,7 @@
           <a:p>
             <a:fld id="{2D7B0572-C493-4C71-9EA7-568EE8B99E48}" type="datetimeFigureOut">
               <a:rPr lang="fr-FR" smtClean="0"/>
-              <a:t>27/01/2025</a:t>
+              <a:t>06/02/2025</a:t>
             </a:fld>
             <a:endParaRPr lang="fr-FR"/>
           </a:p>
@@ -2679,7 +2681,7 @@
           <a:p>
             <a:fld id="{2D7B0572-C493-4C71-9EA7-568EE8B99E48}" type="datetimeFigureOut">
               <a:rPr lang="fr-FR" smtClean="0"/>
-              <a:t>27/01/2025</a:t>
+              <a:t>06/02/2025</a:t>
             </a:fld>
             <a:endParaRPr lang="fr-FR"/>
           </a:p>
@@ -2920,7 +2922,7 @@
           <a:p>
             <a:fld id="{2D7B0572-C493-4C71-9EA7-568EE8B99E48}" type="datetimeFigureOut">
               <a:rPr lang="fr-FR" smtClean="0"/>
-              <a:t>27/01/2025</a:t>
+              <a:t>06/02/2025</a:t>
             </a:fld>
             <a:endParaRPr lang="fr-FR"/>
           </a:p>
@@ -3380,6 +3382,1431 @@
 </p:sld>
 </file>
 
+<file path=ppt/slides/slide2.xml><?xml version="1.0" encoding="utf-8"?>
+<p:sld xmlns:a="http://schemas.openxmlformats.org/drawingml/2006/main" xmlns:r="http://schemas.openxmlformats.org/officeDocument/2006/relationships" xmlns:p="http://schemas.openxmlformats.org/presentationml/2006/main">
+  <p:cSld>
+    <p:spTree>
+      <p:nvGrpSpPr>
+        <p:cNvPr id="1" name=""/>
+        <p:cNvGrpSpPr/>
+        <p:nvPr/>
+      </p:nvGrpSpPr>
+      <p:grpSpPr>
+        <a:xfrm>
+          <a:off x="0" y="0"/>
+          <a:ext cx="0" cy="0"/>
+          <a:chOff x="0" y="0"/>
+          <a:chExt cx="0" cy="0"/>
+        </a:xfrm>
+      </p:grpSpPr>
+      <p:pic>
+        <p:nvPicPr>
+          <p:cNvPr id="3" name="Image 2">
+            <a:extLst>
+              <a:ext uri="{FF2B5EF4-FFF2-40B4-BE49-F238E27FC236}">
+                <a16:creationId xmlns:a16="http://schemas.microsoft.com/office/drawing/2014/main" id="{65B2833E-375F-4826-FC53-A3B9BDCEA9CA}"/>
+              </a:ext>
+            </a:extLst>
+          </p:cNvPr>
+          <p:cNvPicPr>
+            <a:picLocks noChangeAspect="1"/>
+          </p:cNvPicPr>
+          <p:nvPr/>
+        </p:nvPicPr>
+        <p:blipFill>
+          <a:blip r:embed="rId2"/>
+          <a:stretch>
+            <a:fillRect/>
+          </a:stretch>
+        </p:blipFill>
+        <p:spPr>
+          <a:xfrm>
+            <a:off x="0" y="1688426"/>
+            <a:ext cx="12192000" cy="3481148"/>
+          </a:xfrm>
+          <a:prstGeom prst="rect">
+            <a:avLst/>
+          </a:prstGeom>
+        </p:spPr>
+      </p:pic>
+    </p:spTree>
+    <p:extLst>
+      <p:ext uri="{BB962C8B-B14F-4D97-AF65-F5344CB8AC3E}">
+        <p14:creationId xmlns:p14="http://schemas.microsoft.com/office/powerpoint/2010/main" val="2850393888"/>
+      </p:ext>
+    </p:extLst>
+  </p:cSld>
+  <p:clrMapOvr>
+    <a:masterClrMapping/>
+  </p:clrMapOvr>
+</p:sld>
+</file>
+
+<file path=ppt/slides/slide3.xml><?xml version="1.0" encoding="utf-8"?>
+<p:sld xmlns:a="http://schemas.openxmlformats.org/drawingml/2006/main" xmlns:r="http://schemas.openxmlformats.org/officeDocument/2006/relationships" xmlns:p="http://schemas.openxmlformats.org/presentationml/2006/main">
+  <p:cSld>
+    <p:spTree>
+      <p:nvGrpSpPr>
+        <p:cNvPr id="1" name=""/>
+        <p:cNvGrpSpPr/>
+        <p:nvPr/>
+      </p:nvGrpSpPr>
+      <p:grpSpPr>
+        <a:xfrm>
+          <a:off x="0" y="0"/>
+          <a:ext cx="0" cy="0"/>
+          <a:chOff x="0" y="0"/>
+          <a:chExt cx="0" cy="0"/>
+        </a:xfrm>
+      </p:grpSpPr>
+      <p:pic>
+        <p:nvPicPr>
+          <p:cNvPr id="3" name="Image 2">
+            <a:extLst>
+              <a:ext uri="{FF2B5EF4-FFF2-40B4-BE49-F238E27FC236}">
+                <a16:creationId xmlns:a16="http://schemas.microsoft.com/office/drawing/2014/main" id="{9ADE6B1F-305A-9CA3-B069-8832C4640747}"/>
+              </a:ext>
+            </a:extLst>
+          </p:cNvPr>
+          <p:cNvPicPr>
+            <a:picLocks noChangeAspect="1"/>
+          </p:cNvPicPr>
+          <p:nvPr/>
+        </p:nvPicPr>
+        <p:blipFill>
+          <a:blip r:embed="rId2"/>
+          <a:stretch>
+            <a:fillRect/>
+          </a:stretch>
+        </p:blipFill>
+        <p:spPr>
+          <a:xfrm>
+            <a:off x="1501319" y="397814"/>
+            <a:ext cx="3600000" cy="2917241"/>
+          </a:xfrm>
+          <a:prstGeom prst="rect">
+            <a:avLst/>
+          </a:prstGeom>
+        </p:spPr>
+      </p:pic>
+      <p:pic>
+        <p:nvPicPr>
+          <p:cNvPr id="5" name="Image 4">
+            <a:extLst>
+              <a:ext uri="{FF2B5EF4-FFF2-40B4-BE49-F238E27FC236}">
+                <a16:creationId xmlns:a16="http://schemas.microsoft.com/office/drawing/2014/main" id="{B750B4A8-76FE-620F-95BE-739707B9E8F0}"/>
+              </a:ext>
+            </a:extLst>
+          </p:cNvPr>
+          <p:cNvPicPr>
+            <a:picLocks noChangeAspect="1"/>
+          </p:cNvPicPr>
+          <p:nvPr/>
+        </p:nvPicPr>
+        <p:blipFill>
+          <a:blip r:embed="rId3"/>
+          <a:stretch>
+            <a:fillRect/>
+          </a:stretch>
+        </p:blipFill>
+        <p:spPr>
+          <a:xfrm>
+            <a:off x="1434538" y="3528696"/>
+            <a:ext cx="3733561" cy="2917241"/>
+          </a:xfrm>
+          <a:prstGeom prst="rect">
+            <a:avLst/>
+          </a:prstGeom>
+        </p:spPr>
+      </p:pic>
+      <p:pic>
+        <p:nvPicPr>
+          <p:cNvPr id="7" name="Image 6">
+            <a:extLst>
+              <a:ext uri="{FF2B5EF4-FFF2-40B4-BE49-F238E27FC236}">
+                <a16:creationId xmlns:a16="http://schemas.microsoft.com/office/drawing/2014/main" id="{B8DE9BCF-7D57-40F9-051E-BEFCB8D57FBD}"/>
+              </a:ext>
+            </a:extLst>
+          </p:cNvPr>
+          <p:cNvPicPr>
+            <a:picLocks noChangeAspect="1"/>
+          </p:cNvPicPr>
+          <p:nvPr/>
+        </p:nvPicPr>
+        <p:blipFill>
+          <a:blip r:embed="rId4"/>
+          <a:stretch>
+            <a:fillRect/>
+          </a:stretch>
+        </p:blipFill>
+        <p:spPr>
+          <a:xfrm>
+            <a:off x="5405916" y="509504"/>
+            <a:ext cx="3510593" cy="2827115"/>
+          </a:xfrm>
+          <a:prstGeom prst="rect">
+            <a:avLst/>
+          </a:prstGeom>
+        </p:spPr>
+      </p:pic>
+      <p:pic>
+        <p:nvPicPr>
+          <p:cNvPr id="9" name="Image 8">
+            <a:extLst>
+              <a:ext uri="{FF2B5EF4-FFF2-40B4-BE49-F238E27FC236}">
+                <a16:creationId xmlns:a16="http://schemas.microsoft.com/office/drawing/2014/main" id="{B2337882-7F0C-543C-613F-25AA84EB0B26}"/>
+              </a:ext>
+            </a:extLst>
+          </p:cNvPr>
+          <p:cNvPicPr>
+            <a:picLocks noChangeAspect="1"/>
+          </p:cNvPicPr>
+          <p:nvPr/>
+        </p:nvPicPr>
+        <p:blipFill>
+          <a:blip r:embed="rId5"/>
+          <a:stretch>
+            <a:fillRect/>
+          </a:stretch>
+        </p:blipFill>
+        <p:spPr>
+          <a:xfrm>
+            <a:off x="5437561" y="3573000"/>
+            <a:ext cx="3600000" cy="2878734"/>
+          </a:xfrm>
+          <a:prstGeom prst="rect">
+            <a:avLst/>
+          </a:prstGeom>
+        </p:spPr>
+      </p:pic>
+      <p:cxnSp>
+        <p:nvCxnSpPr>
+          <p:cNvPr id="11" name="Connecteur droit 10">
+            <a:extLst>
+              <a:ext uri="{FF2B5EF4-FFF2-40B4-BE49-F238E27FC236}">
+                <a16:creationId xmlns:a16="http://schemas.microsoft.com/office/drawing/2014/main" id="{F260E3CA-AB9E-61C8-1C63-6DC4BF52ACDA}"/>
+              </a:ext>
+            </a:extLst>
+          </p:cNvPr>
+          <p:cNvCxnSpPr>
+            <a:cxnSpLocks/>
+          </p:cNvCxnSpPr>
+          <p:nvPr/>
+        </p:nvCxnSpPr>
+        <p:spPr>
+          <a:xfrm flipV="1">
+            <a:off x="7325080" y="4208237"/>
+            <a:ext cx="0" cy="1864382"/>
+          </a:xfrm>
+          <a:prstGeom prst="line">
+            <a:avLst/>
+          </a:prstGeom>
+          <a:ln>
+            <a:solidFill>
+              <a:srgbClr val="00B050"/>
+            </a:solidFill>
+            <a:prstDash val="dash"/>
+          </a:ln>
+        </p:spPr>
+        <p:style>
+          <a:lnRef idx="2">
+            <a:schemeClr val="accent1"/>
+          </a:lnRef>
+          <a:fillRef idx="0">
+            <a:schemeClr val="accent1"/>
+          </a:fillRef>
+          <a:effectRef idx="1">
+            <a:schemeClr val="accent1"/>
+          </a:effectRef>
+          <a:fontRef idx="minor">
+            <a:schemeClr val="tx1"/>
+          </a:fontRef>
+        </p:style>
+      </p:cxnSp>
+      <p:cxnSp>
+        <p:nvCxnSpPr>
+          <p:cNvPr id="15" name="Connecteur droit 14">
+            <a:extLst>
+              <a:ext uri="{FF2B5EF4-FFF2-40B4-BE49-F238E27FC236}">
+                <a16:creationId xmlns:a16="http://schemas.microsoft.com/office/drawing/2014/main" id="{002B92E9-9104-653E-A589-0E832E31A624}"/>
+              </a:ext>
+            </a:extLst>
+          </p:cNvPr>
+          <p:cNvCxnSpPr>
+            <a:cxnSpLocks/>
+          </p:cNvCxnSpPr>
+          <p:nvPr/>
+        </p:nvCxnSpPr>
+        <p:spPr>
+          <a:xfrm>
+            <a:off x="5897441" y="4180088"/>
+            <a:ext cx="1414939" cy="0"/>
+          </a:xfrm>
+          <a:prstGeom prst="line">
+            <a:avLst/>
+          </a:prstGeom>
+          <a:ln>
+            <a:solidFill>
+              <a:srgbClr val="00B050"/>
+            </a:solidFill>
+            <a:prstDash val="dash"/>
+          </a:ln>
+        </p:spPr>
+        <p:style>
+          <a:lnRef idx="2">
+            <a:schemeClr val="accent1"/>
+          </a:lnRef>
+          <a:fillRef idx="0">
+            <a:schemeClr val="accent1"/>
+          </a:fillRef>
+          <a:effectRef idx="1">
+            <a:schemeClr val="accent1"/>
+          </a:effectRef>
+          <a:fontRef idx="minor">
+            <a:schemeClr val="tx1"/>
+          </a:fontRef>
+        </p:style>
+      </p:cxnSp>
+      <p:sp>
+        <p:nvSpPr>
+          <p:cNvPr id="18" name="Ellipse 17">
+            <a:extLst>
+              <a:ext uri="{FF2B5EF4-FFF2-40B4-BE49-F238E27FC236}">
+                <a16:creationId xmlns:a16="http://schemas.microsoft.com/office/drawing/2014/main" id="{30839980-72C2-C598-DD65-1463C6FDFFDE}"/>
+              </a:ext>
+            </a:extLst>
+          </p:cNvPr>
+          <p:cNvSpPr/>
+          <p:nvPr/>
+        </p:nvSpPr>
+        <p:spPr>
+          <a:xfrm>
+            <a:off x="7289311" y="4149399"/>
+            <a:ext cx="71538" cy="71538"/>
+          </a:xfrm>
+          <a:prstGeom prst="ellipse">
+            <a:avLst/>
+          </a:prstGeom>
+          <a:solidFill>
+            <a:srgbClr val="00B050"/>
+          </a:solidFill>
+          <a:ln>
+            <a:solidFill>
+              <a:srgbClr val="00B050"/>
+            </a:solidFill>
+          </a:ln>
+        </p:spPr>
+        <p:style>
+          <a:lnRef idx="2">
+            <a:schemeClr val="accent1">
+              <a:shade val="15000"/>
+            </a:schemeClr>
+          </a:lnRef>
+          <a:fillRef idx="1">
+            <a:schemeClr val="accent1"/>
+          </a:fillRef>
+          <a:effectRef idx="0">
+            <a:schemeClr val="accent1"/>
+          </a:effectRef>
+          <a:fontRef idx="minor">
+            <a:schemeClr val="lt1"/>
+          </a:fontRef>
+        </p:style>
+        <p:txBody>
+          <a:bodyPr rtlCol="0" anchor="ctr"/>
+          <a:lstStyle/>
+          <a:p>
+            <a:pPr algn="ctr"/>
+            <a:endParaRPr lang="fr-FR"/>
+          </a:p>
+        </p:txBody>
+      </p:sp>
+      <p:sp>
+        <p:nvSpPr>
+          <p:cNvPr id="19" name="ZoneTexte 18">
+            <a:extLst>
+              <a:ext uri="{FF2B5EF4-FFF2-40B4-BE49-F238E27FC236}">
+                <a16:creationId xmlns:a16="http://schemas.microsoft.com/office/drawing/2014/main" id="{A0C3C867-3B9B-8426-4FAB-27442D02D18B}"/>
+              </a:ext>
+            </a:extLst>
+          </p:cNvPr>
+          <p:cNvSpPr txBox="1"/>
+          <p:nvPr/>
+        </p:nvSpPr>
+        <p:spPr>
+          <a:xfrm>
+            <a:off x="7175188" y="6081746"/>
+            <a:ext cx="322524" cy="246221"/>
+          </a:xfrm>
+          <a:prstGeom prst="rect">
+            <a:avLst/>
+          </a:prstGeom>
+          <a:noFill/>
+        </p:spPr>
+        <p:txBody>
+          <a:bodyPr wrap="none" rtlCol="0">
+            <a:spAutoFit/>
+          </a:bodyPr>
+          <a:lstStyle/>
+          <a:p>
+            <a:r>
+              <a:rPr lang="fr-FR" sz="1000" dirty="0">
+                <a:solidFill>
+                  <a:srgbClr val="00B050"/>
+                </a:solidFill>
+              </a:rPr>
+              <a:t>25</a:t>
+            </a:r>
+          </a:p>
+        </p:txBody>
+      </p:sp>
+      <p:cxnSp>
+        <p:nvCxnSpPr>
+          <p:cNvPr id="21" name="Connecteur droit 20">
+            <a:extLst>
+              <a:ext uri="{FF2B5EF4-FFF2-40B4-BE49-F238E27FC236}">
+                <a16:creationId xmlns:a16="http://schemas.microsoft.com/office/drawing/2014/main" id="{C2ABF949-E402-5E52-978B-497E52606B17}"/>
+              </a:ext>
+            </a:extLst>
+          </p:cNvPr>
+          <p:cNvCxnSpPr>
+            <a:cxnSpLocks/>
+          </p:cNvCxnSpPr>
+          <p:nvPr/>
+        </p:nvCxnSpPr>
+        <p:spPr>
+          <a:xfrm flipV="1">
+            <a:off x="6015110" y="2184619"/>
+            <a:ext cx="0" cy="792430"/>
+          </a:xfrm>
+          <a:prstGeom prst="line">
+            <a:avLst/>
+          </a:prstGeom>
+          <a:ln>
+            <a:solidFill>
+              <a:srgbClr val="00B050"/>
+            </a:solidFill>
+            <a:prstDash val="dash"/>
+          </a:ln>
+        </p:spPr>
+        <p:style>
+          <a:lnRef idx="2">
+            <a:schemeClr val="accent1"/>
+          </a:lnRef>
+          <a:fillRef idx="0">
+            <a:schemeClr val="accent1"/>
+          </a:fillRef>
+          <a:effectRef idx="1">
+            <a:schemeClr val="accent1"/>
+          </a:effectRef>
+          <a:fontRef idx="minor">
+            <a:schemeClr val="tx1"/>
+          </a:fontRef>
+        </p:style>
+      </p:cxnSp>
+      <p:cxnSp>
+        <p:nvCxnSpPr>
+          <p:cNvPr id="22" name="Connecteur droit 21">
+            <a:extLst>
+              <a:ext uri="{FF2B5EF4-FFF2-40B4-BE49-F238E27FC236}">
+                <a16:creationId xmlns:a16="http://schemas.microsoft.com/office/drawing/2014/main" id="{F275E850-8C8A-2696-85C5-0DFE78F23E33}"/>
+              </a:ext>
+            </a:extLst>
+          </p:cNvPr>
+          <p:cNvCxnSpPr>
+            <a:cxnSpLocks/>
+          </p:cNvCxnSpPr>
+          <p:nvPr/>
+        </p:nvCxnSpPr>
+        <p:spPr>
+          <a:xfrm>
+            <a:off x="5880000" y="2184619"/>
+            <a:ext cx="131300" cy="0"/>
+          </a:xfrm>
+          <a:prstGeom prst="line">
+            <a:avLst/>
+          </a:prstGeom>
+          <a:ln>
+            <a:solidFill>
+              <a:srgbClr val="00B050"/>
+            </a:solidFill>
+            <a:prstDash val="dash"/>
+          </a:ln>
+        </p:spPr>
+        <p:style>
+          <a:lnRef idx="2">
+            <a:schemeClr val="accent1"/>
+          </a:lnRef>
+          <a:fillRef idx="0">
+            <a:schemeClr val="accent1"/>
+          </a:fillRef>
+          <a:effectRef idx="1">
+            <a:schemeClr val="accent1"/>
+          </a:effectRef>
+          <a:fontRef idx="minor">
+            <a:schemeClr val="tx1"/>
+          </a:fontRef>
+        </p:style>
+      </p:cxnSp>
+      <p:sp>
+        <p:nvSpPr>
+          <p:cNvPr id="27" name="Ellipse 26">
+            <a:extLst>
+              <a:ext uri="{FF2B5EF4-FFF2-40B4-BE49-F238E27FC236}">
+                <a16:creationId xmlns:a16="http://schemas.microsoft.com/office/drawing/2014/main" id="{1157C770-F9E8-FDC5-14E5-97E0B909BA03}"/>
+              </a:ext>
+            </a:extLst>
+          </p:cNvPr>
+          <p:cNvSpPr/>
+          <p:nvPr/>
+        </p:nvSpPr>
+        <p:spPr>
+          <a:xfrm>
+            <a:off x="5971721" y="2148850"/>
+            <a:ext cx="71538" cy="71538"/>
+          </a:xfrm>
+          <a:prstGeom prst="ellipse">
+            <a:avLst/>
+          </a:prstGeom>
+          <a:solidFill>
+            <a:srgbClr val="00B050"/>
+          </a:solidFill>
+          <a:ln>
+            <a:solidFill>
+              <a:srgbClr val="00B050"/>
+            </a:solidFill>
+          </a:ln>
+        </p:spPr>
+        <p:style>
+          <a:lnRef idx="2">
+            <a:schemeClr val="accent1">
+              <a:shade val="15000"/>
+            </a:schemeClr>
+          </a:lnRef>
+          <a:fillRef idx="1">
+            <a:schemeClr val="accent1"/>
+          </a:fillRef>
+          <a:effectRef idx="0">
+            <a:schemeClr val="accent1"/>
+          </a:effectRef>
+          <a:fontRef idx="minor">
+            <a:schemeClr val="lt1"/>
+          </a:fontRef>
+        </p:style>
+        <p:txBody>
+          <a:bodyPr rtlCol="0" anchor="ctr"/>
+          <a:lstStyle/>
+          <a:p>
+            <a:pPr algn="ctr"/>
+            <a:endParaRPr lang="fr-FR"/>
+          </a:p>
+        </p:txBody>
+      </p:sp>
+      <p:sp>
+        <p:nvSpPr>
+          <p:cNvPr id="28" name="ZoneTexte 27">
+            <a:extLst>
+              <a:ext uri="{FF2B5EF4-FFF2-40B4-BE49-F238E27FC236}">
+                <a16:creationId xmlns:a16="http://schemas.microsoft.com/office/drawing/2014/main" id="{23B83AC9-7817-BF7C-D7BA-7075FB39D4C7}"/>
+              </a:ext>
+            </a:extLst>
+          </p:cNvPr>
+          <p:cNvSpPr txBox="1"/>
+          <p:nvPr/>
+        </p:nvSpPr>
+        <p:spPr>
+          <a:xfrm>
+            <a:off x="5850038" y="2977049"/>
+            <a:ext cx="322524" cy="246221"/>
+          </a:xfrm>
+          <a:prstGeom prst="rect">
+            <a:avLst/>
+          </a:prstGeom>
+          <a:noFill/>
+        </p:spPr>
+        <p:txBody>
+          <a:bodyPr wrap="none" rtlCol="0">
+            <a:spAutoFit/>
+          </a:bodyPr>
+          <a:lstStyle/>
+          <a:p>
+            <a:r>
+              <a:rPr lang="fr-FR" sz="1000" dirty="0">
+                <a:solidFill>
+                  <a:srgbClr val="00B050"/>
+                </a:solidFill>
+              </a:rPr>
+              <a:t>25</a:t>
+            </a:r>
+          </a:p>
+        </p:txBody>
+      </p:sp>
+      <p:sp>
+        <p:nvSpPr>
+          <p:cNvPr id="30" name="Rectangle 29">
+            <a:extLst>
+              <a:ext uri="{FF2B5EF4-FFF2-40B4-BE49-F238E27FC236}">
+                <a16:creationId xmlns:a16="http://schemas.microsoft.com/office/drawing/2014/main" id="{8F819401-9211-8323-A50C-3E2EAD6EBC2C}"/>
+              </a:ext>
+            </a:extLst>
+          </p:cNvPr>
+          <p:cNvSpPr/>
+          <p:nvPr/>
+        </p:nvSpPr>
+        <p:spPr>
+          <a:xfrm>
+            <a:off x="5604700" y="2117699"/>
+            <a:ext cx="218460" cy="107762"/>
+          </a:xfrm>
+          <a:prstGeom prst="rect">
+            <a:avLst/>
+          </a:prstGeom>
+          <a:solidFill>
+            <a:schemeClr val="bg1"/>
+          </a:solidFill>
+          <a:ln>
+            <a:solidFill>
+              <a:schemeClr val="bg1"/>
+            </a:solidFill>
+          </a:ln>
+        </p:spPr>
+        <p:style>
+          <a:lnRef idx="2">
+            <a:schemeClr val="accent1">
+              <a:shade val="15000"/>
+            </a:schemeClr>
+          </a:lnRef>
+          <a:fillRef idx="1">
+            <a:schemeClr val="accent1"/>
+          </a:fillRef>
+          <a:effectRef idx="0">
+            <a:schemeClr val="accent1"/>
+          </a:effectRef>
+          <a:fontRef idx="minor">
+            <a:schemeClr val="lt1"/>
+          </a:fontRef>
+        </p:style>
+        <p:txBody>
+          <a:bodyPr rtlCol="0" anchor="ctr"/>
+          <a:lstStyle/>
+          <a:p>
+            <a:pPr algn="ctr"/>
+            <a:endParaRPr lang="fr-FR"/>
+          </a:p>
+        </p:txBody>
+      </p:sp>
+      <p:sp>
+        <p:nvSpPr>
+          <p:cNvPr id="29" name="ZoneTexte 28">
+            <a:extLst>
+              <a:ext uri="{FF2B5EF4-FFF2-40B4-BE49-F238E27FC236}">
+                <a16:creationId xmlns:a16="http://schemas.microsoft.com/office/drawing/2014/main" id="{2B835FBC-A1A6-0D42-5347-0561DAB59DE3}"/>
+              </a:ext>
+            </a:extLst>
+          </p:cNvPr>
+          <p:cNvSpPr txBox="1"/>
+          <p:nvPr/>
+        </p:nvSpPr>
+        <p:spPr>
+          <a:xfrm>
+            <a:off x="5531809" y="2069203"/>
+            <a:ext cx="365632" cy="230832"/>
+          </a:xfrm>
+          <a:prstGeom prst="rect">
+            <a:avLst/>
+          </a:prstGeom>
+          <a:noFill/>
+        </p:spPr>
+        <p:txBody>
+          <a:bodyPr wrap="square" rtlCol="0">
+            <a:spAutoFit/>
+          </a:bodyPr>
+          <a:lstStyle/>
+          <a:p>
+            <a:r>
+              <a:rPr lang="fr-FR" sz="900" dirty="0">
+                <a:solidFill>
+                  <a:srgbClr val="00B050"/>
+                </a:solidFill>
+              </a:rPr>
+              <a:t>200</a:t>
+            </a:r>
+          </a:p>
+        </p:txBody>
+      </p:sp>
+      <p:grpSp>
+        <p:nvGrpSpPr>
+          <p:cNvPr id="45" name="Groupe 44">
+            <a:extLst>
+              <a:ext uri="{FF2B5EF4-FFF2-40B4-BE49-F238E27FC236}">
+                <a16:creationId xmlns:a16="http://schemas.microsoft.com/office/drawing/2014/main" id="{62F1909E-61A4-BEBA-F941-D6C3EB787446}"/>
+              </a:ext>
+            </a:extLst>
+          </p:cNvPr>
+          <p:cNvGrpSpPr/>
+          <p:nvPr/>
+        </p:nvGrpSpPr>
+        <p:grpSpPr>
+          <a:xfrm>
+            <a:off x="6312000" y="1896619"/>
+            <a:ext cx="288000" cy="338554"/>
+            <a:chOff x="9912000" y="1459723"/>
+            <a:chExt cx="288000" cy="338554"/>
+          </a:xfrm>
+        </p:grpSpPr>
+        <p:sp>
+          <p:nvSpPr>
+            <p:cNvPr id="34" name="Ellipse 33">
+              <a:extLst>
+                <a:ext uri="{FF2B5EF4-FFF2-40B4-BE49-F238E27FC236}">
+                  <a16:creationId xmlns:a16="http://schemas.microsoft.com/office/drawing/2014/main" id="{E1642545-7A5B-09E7-EB1C-5059E87F8653}"/>
+                </a:ext>
+              </a:extLst>
+            </p:cNvPr>
+            <p:cNvSpPr/>
+            <p:nvPr/>
+          </p:nvSpPr>
+          <p:spPr>
+            <a:xfrm>
+              <a:off x="9912000" y="1485000"/>
+              <a:ext cx="288000" cy="288000"/>
+            </a:xfrm>
+            <a:prstGeom prst="ellipse">
+              <a:avLst/>
+            </a:prstGeom>
+            <a:solidFill>
+              <a:srgbClr val="00B050"/>
+            </a:solidFill>
+            <a:ln>
+              <a:solidFill>
+                <a:srgbClr val="00B050"/>
+              </a:solidFill>
+            </a:ln>
+          </p:spPr>
+          <p:style>
+            <a:lnRef idx="2">
+              <a:schemeClr val="accent1">
+                <a:shade val="15000"/>
+              </a:schemeClr>
+            </a:lnRef>
+            <a:fillRef idx="1">
+              <a:schemeClr val="accent1"/>
+            </a:fillRef>
+            <a:effectRef idx="0">
+              <a:schemeClr val="accent1"/>
+            </a:effectRef>
+            <a:fontRef idx="minor">
+              <a:schemeClr val="lt1"/>
+            </a:fontRef>
+          </p:style>
+          <p:txBody>
+            <a:bodyPr rtlCol="0" anchor="ctr"/>
+            <a:lstStyle/>
+            <a:p>
+              <a:pPr algn="ctr"/>
+              <a:endParaRPr lang="fr-FR"/>
+            </a:p>
+          </p:txBody>
+        </p:sp>
+        <p:sp>
+          <p:nvSpPr>
+            <p:cNvPr id="35" name="ZoneTexte 34">
+              <a:extLst>
+                <a:ext uri="{FF2B5EF4-FFF2-40B4-BE49-F238E27FC236}">
+                  <a16:creationId xmlns:a16="http://schemas.microsoft.com/office/drawing/2014/main" id="{421B5BA1-9F2A-D794-A9F7-3C9733E6D6F8}"/>
+                </a:ext>
+              </a:extLst>
+            </p:cNvPr>
+            <p:cNvSpPr txBox="1"/>
+            <p:nvPr/>
+          </p:nvSpPr>
+          <p:spPr>
+            <a:xfrm>
+              <a:off x="9912000" y="1459723"/>
+              <a:ext cx="254640" cy="338554"/>
+            </a:xfrm>
+            <a:prstGeom prst="rect">
+              <a:avLst/>
+            </a:prstGeom>
+            <a:noFill/>
+          </p:spPr>
+          <p:txBody>
+            <a:bodyPr wrap="square" rtlCol="0">
+              <a:spAutoFit/>
+            </a:bodyPr>
+            <a:lstStyle/>
+            <a:p>
+              <a:r>
+                <a:rPr lang="fr-FR" sz="1600" b="1" dirty="0">
+                  <a:solidFill>
+                    <a:schemeClr val="bg1"/>
+                  </a:solidFill>
+                </a:rPr>
+                <a:t>3</a:t>
+              </a:r>
+            </a:p>
+          </p:txBody>
+        </p:sp>
+      </p:grpSp>
+      <p:cxnSp>
+        <p:nvCxnSpPr>
+          <p:cNvPr id="36" name="Connecteur droit 35">
+            <a:extLst>
+              <a:ext uri="{FF2B5EF4-FFF2-40B4-BE49-F238E27FC236}">
+                <a16:creationId xmlns:a16="http://schemas.microsoft.com/office/drawing/2014/main" id="{B97B8750-6807-2EDF-ECD0-8E55CA7C21B7}"/>
+              </a:ext>
+            </a:extLst>
+          </p:cNvPr>
+          <p:cNvCxnSpPr>
+            <a:cxnSpLocks/>
+            <a:endCxn id="38" idx="4"/>
+          </p:cNvCxnSpPr>
+          <p:nvPr/>
+        </p:nvCxnSpPr>
+        <p:spPr>
+          <a:xfrm flipV="1">
+            <a:off x="2668504" y="1825256"/>
+            <a:ext cx="0" cy="1119766"/>
+          </a:xfrm>
+          <a:prstGeom prst="line">
+            <a:avLst/>
+          </a:prstGeom>
+          <a:ln>
+            <a:solidFill>
+              <a:srgbClr val="00B050"/>
+            </a:solidFill>
+            <a:prstDash val="dash"/>
+          </a:ln>
+        </p:spPr>
+        <p:style>
+          <a:lnRef idx="2">
+            <a:schemeClr val="accent1"/>
+          </a:lnRef>
+          <a:fillRef idx="0">
+            <a:schemeClr val="accent1"/>
+          </a:fillRef>
+          <a:effectRef idx="1">
+            <a:schemeClr val="accent1"/>
+          </a:effectRef>
+          <a:fontRef idx="minor">
+            <a:schemeClr val="tx1"/>
+          </a:fontRef>
+        </p:style>
+      </p:cxnSp>
+      <p:cxnSp>
+        <p:nvCxnSpPr>
+          <p:cNvPr id="37" name="Connecteur droit 36">
+            <a:extLst>
+              <a:ext uri="{FF2B5EF4-FFF2-40B4-BE49-F238E27FC236}">
+                <a16:creationId xmlns:a16="http://schemas.microsoft.com/office/drawing/2014/main" id="{BCE6C5AF-BCE0-A560-670C-D3BF2C1836E1}"/>
+              </a:ext>
+            </a:extLst>
+          </p:cNvPr>
+          <p:cNvCxnSpPr>
+            <a:cxnSpLocks/>
+          </p:cNvCxnSpPr>
+          <p:nvPr/>
+        </p:nvCxnSpPr>
+        <p:spPr>
+          <a:xfrm>
+            <a:off x="2064000" y="1783630"/>
+            <a:ext cx="591804" cy="0"/>
+          </a:xfrm>
+          <a:prstGeom prst="line">
+            <a:avLst/>
+          </a:prstGeom>
+          <a:ln>
+            <a:solidFill>
+              <a:srgbClr val="00B050"/>
+            </a:solidFill>
+            <a:prstDash val="dash"/>
+          </a:ln>
+        </p:spPr>
+        <p:style>
+          <a:lnRef idx="2">
+            <a:schemeClr val="accent1"/>
+          </a:lnRef>
+          <a:fillRef idx="0">
+            <a:schemeClr val="accent1"/>
+          </a:fillRef>
+          <a:effectRef idx="1">
+            <a:schemeClr val="accent1"/>
+          </a:effectRef>
+          <a:fontRef idx="minor">
+            <a:schemeClr val="tx1"/>
+          </a:fontRef>
+        </p:style>
+      </p:cxnSp>
+      <p:sp>
+        <p:nvSpPr>
+          <p:cNvPr id="38" name="Ellipse 37">
+            <a:extLst>
+              <a:ext uri="{FF2B5EF4-FFF2-40B4-BE49-F238E27FC236}">
+                <a16:creationId xmlns:a16="http://schemas.microsoft.com/office/drawing/2014/main" id="{5EDEC78A-FF77-AFFC-E8EB-421B77010B5A}"/>
+              </a:ext>
+            </a:extLst>
+          </p:cNvPr>
+          <p:cNvSpPr/>
+          <p:nvPr/>
+        </p:nvSpPr>
+        <p:spPr>
+          <a:xfrm>
+            <a:off x="2632735" y="1753718"/>
+            <a:ext cx="71538" cy="71538"/>
+          </a:xfrm>
+          <a:prstGeom prst="ellipse">
+            <a:avLst/>
+          </a:prstGeom>
+          <a:solidFill>
+            <a:srgbClr val="00B050"/>
+          </a:solidFill>
+          <a:ln>
+            <a:solidFill>
+              <a:srgbClr val="00B050"/>
+            </a:solidFill>
+          </a:ln>
+        </p:spPr>
+        <p:style>
+          <a:lnRef idx="2">
+            <a:schemeClr val="accent1">
+              <a:shade val="15000"/>
+            </a:schemeClr>
+          </a:lnRef>
+          <a:fillRef idx="1">
+            <a:schemeClr val="accent1"/>
+          </a:fillRef>
+          <a:effectRef idx="0">
+            <a:schemeClr val="accent1"/>
+          </a:effectRef>
+          <a:fontRef idx="minor">
+            <a:schemeClr val="lt1"/>
+          </a:fontRef>
+        </p:style>
+        <p:txBody>
+          <a:bodyPr rtlCol="0" anchor="ctr"/>
+          <a:lstStyle/>
+          <a:p>
+            <a:pPr algn="ctr"/>
+            <a:endParaRPr lang="fr-FR"/>
+          </a:p>
+        </p:txBody>
+      </p:sp>
+      <p:sp>
+        <p:nvSpPr>
+          <p:cNvPr id="39" name="ZoneTexte 38">
+            <a:extLst>
+              <a:ext uri="{FF2B5EF4-FFF2-40B4-BE49-F238E27FC236}">
+                <a16:creationId xmlns:a16="http://schemas.microsoft.com/office/drawing/2014/main" id="{295E819D-1D29-8A2B-EABE-B94FAB0A01DF}"/>
+              </a:ext>
+            </a:extLst>
+          </p:cNvPr>
+          <p:cNvSpPr txBox="1"/>
+          <p:nvPr/>
+        </p:nvSpPr>
+        <p:spPr>
+          <a:xfrm>
+            <a:off x="2518612" y="2941449"/>
+            <a:ext cx="322524" cy="246221"/>
+          </a:xfrm>
+          <a:prstGeom prst="rect">
+            <a:avLst/>
+          </a:prstGeom>
+          <a:noFill/>
+        </p:spPr>
+        <p:txBody>
+          <a:bodyPr wrap="none" rtlCol="0">
+            <a:spAutoFit/>
+          </a:bodyPr>
+          <a:lstStyle/>
+          <a:p>
+            <a:r>
+              <a:rPr lang="fr-FR" sz="1000" dirty="0">
+                <a:solidFill>
+                  <a:srgbClr val="00B050"/>
+                </a:solidFill>
+              </a:rPr>
+              <a:t>25</a:t>
+            </a:r>
+          </a:p>
+        </p:txBody>
+      </p:sp>
+      <p:sp>
+        <p:nvSpPr>
+          <p:cNvPr id="42" name="ZoneTexte 41">
+            <a:extLst>
+              <a:ext uri="{FF2B5EF4-FFF2-40B4-BE49-F238E27FC236}">
+                <a16:creationId xmlns:a16="http://schemas.microsoft.com/office/drawing/2014/main" id="{18736BD3-62A8-37B7-5416-FAE4670CFA2E}"/>
+              </a:ext>
+            </a:extLst>
+          </p:cNvPr>
+          <p:cNvSpPr txBox="1"/>
+          <p:nvPr/>
+        </p:nvSpPr>
+        <p:spPr>
+          <a:xfrm>
+            <a:off x="1667604" y="1668214"/>
+            <a:ext cx="426756" cy="230832"/>
+          </a:xfrm>
+          <a:prstGeom prst="rect">
+            <a:avLst/>
+          </a:prstGeom>
+          <a:noFill/>
+        </p:spPr>
+        <p:txBody>
+          <a:bodyPr wrap="square" rtlCol="0">
+            <a:spAutoFit/>
+          </a:bodyPr>
+          <a:lstStyle/>
+          <a:p>
+            <a:r>
+              <a:rPr lang="fr-FR" sz="900" dirty="0">
+                <a:solidFill>
+                  <a:srgbClr val="00B050"/>
+                </a:solidFill>
+              </a:rPr>
+              <a:t>2400</a:t>
+            </a:r>
+          </a:p>
+        </p:txBody>
+      </p:sp>
+      <p:sp>
+        <p:nvSpPr>
+          <p:cNvPr id="44" name="ZoneTexte 43">
+            <a:extLst>
+              <a:ext uri="{FF2B5EF4-FFF2-40B4-BE49-F238E27FC236}">
+                <a16:creationId xmlns:a16="http://schemas.microsoft.com/office/drawing/2014/main" id="{9D8A37F0-C0A1-85C0-A986-9BC034E30537}"/>
+              </a:ext>
+            </a:extLst>
+          </p:cNvPr>
+          <p:cNvSpPr txBox="1"/>
+          <p:nvPr/>
+        </p:nvSpPr>
+        <p:spPr>
+          <a:xfrm>
+            <a:off x="5556151" y="4069752"/>
+            <a:ext cx="439910" cy="215444"/>
+          </a:xfrm>
+          <a:prstGeom prst="rect">
+            <a:avLst/>
+          </a:prstGeom>
+          <a:noFill/>
+        </p:spPr>
+        <p:txBody>
+          <a:bodyPr wrap="square" rtlCol="0">
+            <a:spAutoFit/>
+          </a:bodyPr>
+          <a:lstStyle/>
+          <a:p>
+            <a:r>
+              <a:rPr lang="fr-FR" sz="800" dirty="0">
+                <a:solidFill>
+                  <a:srgbClr val="00B050"/>
+                </a:solidFill>
+              </a:rPr>
+              <a:t>2200</a:t>
+            </a:r>
+          </a:p>
+        </p:txBody>
+      </p:sp>
+      <p:grpSp>
+        <p:nvGrpSpPr>
+          <p:cNvPr id="46" name="Groupe 45">
+            <a:extLst>
+              <a:ext uri="{FF2B5EF4-FFF2-40B4-BE49-F238E27FC236}">
+                <a16:creationId xmlns:a16="http://schemas.microsoft.com/office/drawing/2014/main" id="{99F7E647-2E9B-32D2-4981-2C4DF53B9933}"/>
+              </a:ext>
+            </a:extLst>
+          </p:cNvPr>
+          <p:cNvGrpSpPr/>
+          <p:nvPr/>
+        </p:nvGrpSpPr>
+        <p:grpSpPr>
+          <a:xfrm>
+            <a:off x="2893366" y="1614353"/>
+            <a:ext cx="288000" cy="338554"/>
+            <a:chOff x="9912000" y="1459723"/>
+            <a:chExt cx="288000" cy="338554"/>
+          </a:xfrm>
+        </p:grpSpPr>
+        <p:sp>
+          <p:nvSpPr>
+            <p:cNvPr id="47" name="Ellipse 46">
+              <a:extLst>
+                <a:ext uri="{FF2B5EF4-FFF2-40B4-BE49-F238E27FC236}">
+                  <a16:creationId xmlns:a16="http://schemas.microsoft.com/office/drawing/2014/main" id="{0636C82C-F572-4938-404D-651D18F2CDEF}"/>
+                </a:ext>
+              </a:extLst>
+            </p:cNvPr>
+            <p:cNvSpPr/>
+            <p:nvPr/>
+          </p:nvSpPr>
+          <p:spPr>
+            <a:xfrm>
+              <a:off x="9912000" y="1485000"/>
+              <a:ext cx="288000" cy="288000"/>
+            </a:xfrm>
+            <a:prstGeom prst="ellipse">
+              <a:avLst/>
+            </a:prstGeom>
+            <a:solidFill>
+              <a:srgbClr val="00B050"/>
+            </a:solidFill>
+            <a:ln>
+              <a:solidFill>
+                <a:srgbClr val="00B050"/>
+              </a:solidFill>
+            </a:ln>
+          </p:spPr>
+          <p:style>
+            <a:lnRef idx="2">
+              <a:schemeClr val="accent1">
+                <a:shade val="15000"/>
+              </a:schemeClr>
+            </a:lnRef>
+            <a:fillRef idx="1">
+              <a:schemeClr val="accent1"/>
+            </a:fillRef>
+            <a:effectRef idx="0">
+              <a:schemeClr val="accent1"/>
+            </a:effectRef>
+            <a:fontRef idx="minor">
+              <a:schemeClr val="lt1"/>
+            </a:fontRef>
+          </p:style>
+          <p:txBody>
+            <a:bodyPr rtlCol="0" anchor="ctr"/>
+            <a:lstStyle/>
+            <a:p>
+              <a:pPr algn="ctr"/>
+              <a:endParaRPr lang="fr-FR"/>
+            </a:p>
+          </p:txBody>
+        </p:sp>
+        <p:sp>
+          <p:nvSpPr>
+            <p:cNvPr id="48" name="ZoneTexte 47">
+              <a:extLst>
+                <a:ext uri="{FF2B5EF4-FFF2-40B4-BE49-F238E27FC236}">
+                  <a16:creationId xmlns:a16="http://schemas.microsoft.com/office/drawing/2014/main" id="{100642D8-80B1-E040-E7B9-C0B2F6384FA3}"/>
+                </a:ext>
+              </a:extLst>
+            </p:cNvPr>
+            <p:cNvSpPr txBox="1"/>
+            <p:nvPr/>
+          </p:nvSpPr>
+          <p:spPr>
+            <a:xfrm>
+              <a:off x="9912000" y="1459723"/>
+              <a:ext cx="254640" cy="338554"/>
+            </a:xfrm>
+            <a:prstGeom prst="rect">
+              <a:avLst/>
+            </a:prstGeom>
+            <a:noFill/>
+          </p:spPr>
+          <p:txBody>
+            <a:bodyPr wrap="square" rtlCol="0">
+              <a:spAutoFit/>
+            </a:bodyPr>
+            <a:lstStyle/>
+            <a:p>
+              <a:r>
+                <a:rPr lang="fr-FR" sz="1600" b="1" dirty="0">
+                  <a:solidFill>
+                    <a:schemeClr val="bg1"/>
+                  </a:solidFill>
+                </a:rPr>
+                <a:t>1</a:t>
+              </a:r>
+            </a:p>
+          </p:txBody>
+        </p:sp>
+      </p:grpSp>
+      <p:grpSp>
+        <p:nvGrpSpPr>
+          <p:cNvPr id="49" name="Groupe 48">
+            <a:extLst>
+              <a:ext uri="{FF2B5EF4-FFF2-40B4-BE49-F238E27FC236}">
+                <a16:creationId xmlns:a16="http://schemas.microsoft.com/office/drawing/2014/main" id="{4B2338FF-A3E3-02B9-16BD-419B80EA42C6}"/>
+              </a:ext>
+            </a:extLst>
+          </p:cNvPr>
+          <p:cNvGrpSpPr/>
+          <p:nvPr/>
+        </p:nvGrpSpPr>
+        <p:grpSpPr>
+          <a:xfrm>
+            <a:off x="2553136" y="4801874"/>
+            <a:ext cx="288000" cy="338554"/>
+            <a:chOff x="9912000" y="1459723"/>
+            <a:chExt cx="288000" cy="338554"/>
+          </a:xfrm>
+        </p:grpSpPr>
+        <p:sp>
+          <p:nvSpPr>
+            <p:cNvPr id="50" name="Ellipse 49">
+              <a:extLst>
+                <a:ext uri="{FF2B5EF4-FFF2-40B4-BE49-F238E27FC236}">
+                  <a16:creationId xmlns:a16="http://schemas.microsoft.com/office/drawing/2014/main" id="{7DB7A3E3-94C9-C8FE-416E-52836993B81E}"/>
+                </a:ext>
+              </a:extLst>
+            </p:cNvPr>
+            <p:cNvSpPr/>
+            <p:nvPr/>
+          </p:nvSpPr>
+          <p:spPr>
+            <a:xfrm>
+              <a:off x="9912000" y="1485000"/>
+              <a:ext cx="288000" cy="288000"/>
+            </a:xfrm>
+            <a:prstGeom prst="ellipse">
+              <a:avLst/>
+            </a:prstGeom>
+            <a:solidFill>
+              <a:srgbClr val="00B050"/>
+            </a:solidFill>
+            <a:ln>
+              <a:solidFill>
+                <a:srgbClr val="00B050"/>
+              </a:solidFill>
+            </a:ln>
+          </p:spPr>
+          <p:style>
+            <a:lnRef idx="2">
+              <a:schemeClr val="accent1">
+                <a:shade val="15000"/>
+              </a:schemeClr>
+            </a:lnRef>
+            <a:fillRef idx="1">
+              <a:schemeClr val="accent1"/>
+            </a:fillRef>
+            <a:effectRef idx="0">
+              <a:schemeClr val="accent1"/>
+            </a:effectRef>
+            <a:fontRef idx="minor">
+              <a:schemeClr val="lt1"/>
+            </a:fontRef>
+          </p:style>
+          <p:txBody>
+            <a:bodyPr rtlCol="0" anchor="ctr"/>
+            <a:lstStyle/>
+            <a:p>
+              <a:pPr algn="ctr"/>
+              <a:endParaRPr lang="fr-FR"/>
+            </a:p>
+          </p:txBody>
+        </p:sp>
+        <p:sp>
+          <p:nvSpPr>
+            <p:cNvPr id="51" name="ZoneTexte 50">
+              <a:extLst>
+                <a:ext uri="{FF2B5EF4-FFF2-40B4-BE49-F238E27FC236}">
+                  <a16:creationId xmlns:a16="http://schemas.microsoft.com/office/drawing/2014/main" id="{9058C410-C9C1-E621-B46E-6150374A0D8F}"/>
+                </a:ext>
+              </a:extLst>
+            </p:cNvPr>
+            <p:cNvSpPr txBox="1"/>
+            <p:nvPr/>
+          </p:nvSpPr>
+          <p:spPr>
+            <a:xfrm>
+              <a:off x="9912000" y="1459723"/>
+              <a:ext cx="254640" cy="338554"/>
+            </a:xfrm>
+            <a:prstGeom prst="rect">
+              <a:avLst/>
+            </a:prstGeom>
+            <a:noFill/>
+          </p:spPr>
+          <p:txBody>
+            <a:bodyPr wrap="square" rtlCol="0">
+              <a:spAutoFit/>
+            </a:bodyPr>
+            <a:lstStyle/>
+            <a:p>
+              <a:r>
+                <a:rPr lang="fr-FR" sz="1600" b="1" dirty="0">
+                  <a:solidFill>
+                    <a:schemeClr val="bg1"/>
+                  </a:solidFill>
+                </a:rPr>
+                <a:t>2</a:t>
+              </a:r>
+            </a:p>
+          </p:txBody>
+        </p:sp>
+      </p:grpSp>
+      <p:grpSp>
+        <p:nvGrpSpPr>
+          <p:cNvPr id="52" name="Groupe 51">
+            <a:extLst>
+              <a:ext uri="{FF2B5EF4-FFF2-40B4-BE49-F238E27FC236}">
+                <a16:creationId xmlns:a16="http://schemas.microsoft.com/office/drawing/2014/main" id="{75F0B83B-3AFE-9420-9D35-ABD1B2ABE5E3}"/>
+              </a:ext>
+            </a:extLst>
+          </p:cNvPr>
+          <p:cNvGrpSpPr/>
+          <p:nvPr/>
+        </p:nvGrpSpPr>
+        <p:grpSpPr>
+          <a:xfrm>
+            <a:off x="6767618" y="4426667"/>
+            <a:ext cx="288000" cy="338554"/>
+            <a:chOff x="9912000" y="1459723"/>
+            <a:chExt cx="288000" cy="338554"/>
+          </a:xfrm>
+        </p:grpSpPr>
+        <p:sp>
+          <p:nvSpPr>
+            <p:cNvPr id="53" name="Ellipse 52">
+              <a:extLst>
+                <a:ext uri="{FF2B5EF4-FFF2-40B4-BE49-F238E27FC236}">
+                  <a16:creationId xmlns:a16="http://schemas.microsoft.com/office/drawing/2014/main" id="{4E77EF4E-14DD-EAB7-DFD6-C06C55168B7C}"/>
+                </a:ext>
+              </a:extLst>
+            </p:cNvPr>
+            <p:cNvSpPr/>
+            <p:nvPr/>
+          </p:nvSpPr>
+          <p:spPr>
+            <a:xfrm>
+              <a:off x="9912000" y="1485000"/>
+              <a:ext cx="288000" cy="288000"/>
+            </a:xfrm>
+            <a:prstGeom prst="ellipse">
+              <a:avLst/>
+            </a:prstGeom>
+            <a:solidFill>
+              <a:srgbClr val="00B050"/>
+            </a:solidFill>
+            <a:ln>
+              <a:solidFill>
+                <a:srgbClr val="00B050"/>
+              </a:solidFill>
+            </a:ln>
+          </p:spPr>
+          <p:style>
+            <a:lnRef idx="2">
+              <a:schemeClr val="accent1">
+                <a:shade val="15000"/>
+              </a:schemeClr>
+            </a:lnRef>
+            <a:fillRef idx="1">
+              <a:schemeClr val="accent1"/>
+            </a:fillRef>
+            <a:effectRef idx="0">
+              <a:schemeClr val="accent1"/>
+            </a:effectRef>
+            <a:fontRef idx="minor">
+              <a:schemeClr val="lt1"/>
+            </a:fontRef>
+          </p:style>
+          <p:txBody>
+            <a:bodyPr rtlCol="0" anchor="ctr"/>
+            <a:lstStyle/>
+            <a:p>
+              <a:pPr algn="ctr"/>
+              <a:endParaRPr lang="fr-FR"/>
+            </a:p>
+          </p:txBody>
+        </p:sp>
+        <p:sp>
+          <p:nvSpPr>
+            <p:cNvPr id="54" name="ZoneTexte 53">
+              <a:extLst>
+                <a:ext uri="{FF2B5EF4-FFF2-40B4-BE49-F238E27FC236}">
+                  <a16:creationId xmlns:a16="http://schemas.microsoft.com/office/drawing/2014/main" id="{CF014CBB-7898-F378-9062-CCEED2014158}"/>
+                </a:ext>
+              </a:extLst>
+            </p:cNvPr>
+            <p:cNvSpPr txBox="1"/>
+            <p:nvPr/>
+          </p:nvSpPr>
+          <p:spPr>
+            <a:xfrm>
+              <a:off x="9912000" y="1459723"/>
+              <a:ext cx="254640" cy="338554"/>
+            </a:xfrm>
+            <a:prstGeom prst="rect">
+              <a:avLst/>
+            </a:prstGeom>
+            <a:noFill/>
+          </p:spPr>
+          <p:txBody>
+            <a:bodyPr wrap="square" rtlCol="0">
+              <a:spAutoFit/>
+            </a:bodyPr>
+            <a:lstStyle/>
+            <a:p>
+              <a:r>
+                <a:rPr lang="fr-FR" sz="1600" b="1" dirty="0">
+                  <a:solidFill>
+                    <a:schemeClr val="bg1"/>
+                  </a:solidFill>
+                </a:rPr>
+                <a:t>4</a:t>
+              </a:r>
+            </a:p>
+          </p:txBody>
+        </p:sp>
+      </p:grpSp>
+      <p:cxnSp>
+        <p:nvCxnSpPr>
+          <p:cNvPr id="55" name="Connecteur droit 54">
+            <a:extLst>
+              <a:ext uri="{FF2B5EF4-FFF2-40B4-BE49-F238E27FC236}">
+                <a16:creationId xmlns:a16="http://schemas.microsoft.com/office/drawing/2014/main" id="{6B21F4CC-3D9E-F731-3BEF-E6D1C1ED87D0}"/>
+              </a:ext>
+            </a:extLst>
+          </p:cNvPr>
+          <p:cNvCxnSpPr>
+            <a:cxnSpLocks/>
+          </p:cNvCxnSpPr>
+          <p:nvPr/>
+        </p:nvCxnSpPr>
+        <p:spPr>
+          <a:xfrm flipV="1">
+            <a:off x="3031758" y="4149399"/>
+            <a:ext cx="0" cy="1921774"/>
+          </a:xfrm>
+          <a:prstGeom prst="line">
+            <a:avLst/>
+          </a:prstGeom>
+          <a:ln>
+            <a:solidFill>
+              <a:srgbClr val="00B050"/>
+            </a:solidFill>
+            <a:prstDash val="dash"/>
+          </a:ln>
+        </p:spPr>
+        <p:style>
+          <a:lnRef idx="2">
+            <a:schemeClr val="accent1"/>
+          </a:lnRef>
+          <a:fillRef idx="0">
+            <a:schemeClr val="accent1"/>
+          </a:fillRef>
+          <a:effectRef idx="1">
+            <a:schemeClr val="accent1"/>
+          </a:effectRef>
+          <a:fontRef idx="minor">
+            <a:schemeClr val="tx1"/>
+          </a:fontRef>
+        </p:style>
+      </p:cxnSp>
+    </p:spTree>
+    <p:extLst>
+      <p:ext uri="{BB962C8B-B14F-4D97-AF65-F5344CB8AC3E}">
+        <p14:creationId xmlns:p14="http://schemas.microsoft.com/office/powerpoint/2010/main" val="1001954228"/>
+      </p:ext>
+    </p:extLst>
+  </p:cSld>
+  <p:clrMapOvr>
+    <a:masterClrMapping/>
+  </p:clrMapOvr>
+</p:sld>
+</file>
+
 <file path=ppt/theme/theme1.xml><?xml version="1.0" encoding="utf-8"?>
 <a:theme xmlns:a="http://schemas.openxmlformats.org/drawingml/2006/main" name="Thème Office">
   <a:themeElements>
